--- a/MachineLearning/SupportVectorMachine/SupportVectorMachine.pptx
+++ b/MachineLearning/SupportVectorMachine/SupportVectorMachine.pptx
@@ -5,12 +5,20 @@
     <p:sldMasterId id="2147483648" r:id="rId1"/>
   </p:sldMasterIdLst>
   <p:notesMasterIdLst>
-    <p:notesMasterId r:id="rId5"/>
+    <p:notesMasterId r:id="rId13"/>
   </p:notesMasterIdLst>
   <p:sldIdLst>
     <p:sldId id="256" r:id="rId2"/>
     <p:sldId id="268" r:id="rId3"/>
-    <p:sldId id="269" r:id="rId4"/>
+    <p:sldId id="270" r:id="rId4"/>
+    <p:sldId id="271" r:id="rId5"/>
+    <p:sldId id="272" r:id="rId6"/>
+    <p:sldId id="273" r:id="rId7"/>
+    <p:sldId id="274" r:id="rId8"/>
+    <p:sldId id="275" r:id="rId9"/>
+    <p:sldId id="276" r:id="rId10"/>
+    <p:sldId id="277" r:id="rId11"/>
+    <p:sldId id="269" r:id="rId12"/>
   </p:sldIdLst>
   <p:sldSz cx="9144000" cy="6858000" type="screen4x3"/>
   <p:notesSz cx="6858000" cy="9144000"/>
@@ -3429,7 +3437,7 @@
           <a:lstStyle/>
           <a:p>
             <a:r>
-              <a:rPr lang="en-US" smtClean="0"/>
+              <a:rPr lang="en-US" dirty="0" smtClean="0"/>
               <a:t>Support Vector Machine</a:t>
             </a:r>
             <a:endParaRPr lang="en-US" dirty="0"/>
@@ -3472,15 +3480,156 @@
           <a:p>
             <a:r>
               <a:rPr lang="en-IN" dirty="0" smtClean="0"/>
-              <a:t>Centre for Excellence in </a:t>
-            </a:r>
-            <a:r>
-              <a:rPr lang="en-IN" smtClean="0"/>
-              <a:t>Basic </a:t>
-            </a:r>
-            <a:r>
-              <a:rPr lang="en-IN" smtClean="0"/>
+              <a:t>Centre for Excellence in Basic </a:t>
+            </a:r>
+            <a:r>
+              <a:rPr lang="en-IN" dirty="0" smtClean="0"/>
               <a:t>Sciences</a:t>
+            </a:r>
+            <a:endParaRPr lang="en-US" dirty="0"/>
+          </a:p>
+        </p:txBody>
+      </p:sp>
+    </p:spTree>
+  </p:cSld>
+  <p:clrMapOvr>
+    <a:masterClrMapping/>
+  </p:clrMapOvr>
+  <p:timing>
+    <p:tnLst>
+      <p:par>
+        <p:cTn id="1" dur="indefinite" restart="never" nodeType="tmRoot"/>
+      </p:par>
+    </p:tnLst>
+  </p:timing>
+</p:sld>
+</file>
+
+<file path=ppt/slides/slide10.xml><?xml version="1.0" encoding="utf-8"?>
+<p:sld xmlns:a="http://schemas.openxmlformats.org/drawingml/2006/main" xmlns:r="http://schemas.openxmlformats.org/officeDocument/2006/relationships" xmlns:p="http://schemas.openxmlformats.org/presentationml/2006/main">
+  <p:cSld>
+    <p:spTree>
+      <p:nvGrpSpPr>
+        <p:cNvPr id="1" name=""/>
+        <p:cNvGrpSpPr/>
+        <p:nvPr/>
+      </p:nvGrpSpPr>
+      <p:grpSpPr>
+        <a:xfrm>
+          <a:off x="0" y="0"/>
+          <a:ext cx="0" cy="0"/>
+          <a:chOff x="0" y="0"/>
+          <a:chExt cx="0" cy="0"/>
+        </a:xfrm>
+      </p:grpSpPr>
+      <p:sp>
+        <p:nvSpPr>
+          <p:cNvPr id="2" name="Title 1"/>
+          <p:cNvSpPr>
+            <a:spLocks noGrp="1"/>
+          </p:cNvSpPr>
+          <p:nvPr>
+            <p:ph type="title"/>
+          </p:nvPr>
+        </p:nvSpPr>
+        <p:spPr/>
+        <p:txBody>
+          <a:bodyPr/>
+          <a:lstStyle/>
+          <a:p>
+            <a:r>
+              <a:rPr lang="en-US" smtClean="0"/>
+              <a:t>Disadvantages</a:t>
+            </a:r>
+            <a:endParaRPr lang="en-IN"/>
+          </a:p>
+        </p:txBody>
+      </p:sp>
+      <p:sp>
+        <p:nvSpPr>
+          <p:cNvPr id="3" name="Content Placeholder 2"/>
+          <p:cNvSpPr>
+            <a:spLocks noGrp="1"/>
+          </p:cNvSpPr>
+          <p:nvPr>
+            <p:ph idx="1"/>
+          </p:nvPr>
+        </p:nvSpPr>
+        <p:spPr/>
+        <p:txBody>
+          <a:bodyPr/>
+          <a:lstStyle/>
+          <a:p>
+            <a:endParaRPr lang="en-IN"/>
+          </a:p>
+        </p:txBody>
+      </p:sp>
+    </p:spTree>
+  </p:cSld>
+  <p:clrMapOvr>
+    <a:masterClrMapping/>
+  </p:clrMapOvr>
+</p:sld>
+</file>
+
+<file path=ppt/slides/slide11.xml><?xml version="1.0" encoding="utf-8"?>
+<p:sld xmlns:a="http://schemas.openxmlformats.org/drawingml/2006/main" xmlns:r="http://schemas.openxmlformats.org/officeDocument/2006/relationships" xmlns:p="http://schemas.openxmlformats.org/presentationml/2006/main">
+  <p:cSld>
+    <p:spTree>
+      <p:nvGrpSpPr>
+        <p:cNvPr id="1" name=""/>
+        <p:cNvGrpSpPr/>
+        <p:nvPr/>
+      </p:nvGrpSpPr>
+      <p:grpSpPr>
+        <a:xfrm>
+          <a:off x="0" y="0"/>
+          <a:ext cx="0" cy="0"/>
+          <a:chOff x="0" y="0"/>
+          <a:chExt cx="0" cy="0"/>
+        </a:xfrm>
+      </p:grpSpPr>
+      <p:sp>
+        <p:nvSpPr>
+          <p:cNvPr id="2" name="Title 1"/>
+          <p:cNvSpPr>
+            <a:spLocks noGrp="1"/>
+          </p:cNvSpPr>
+          <p:nvPr>
+            <p:ph type="ctrTitle"/>
+          </p:nvPr>
+        </p:nvSpPr>
+        <p:spPr/>
+        <p:txBody>
+          <a:bodyPr/>
+          <a:lstStyle/>
+          <a:p>
+            <a:r>
+              <a:rPr lang="en-US" dirty="0" smtClean="0"/>
+              <a:t>Questions?</a:t>
+            </a:r>
+            <a:endParaRPr lang="en-US" dirty="0"/>
+          </a:p>
+        </p:txBody>
+      </p:sp>
+      <p:sp>
+        <p:nvSpPr>
+          <p:cNvPr id="3" name="Subtitle 2"/>
+          <p:cNvSpPr>
+            <a:spLocks noGrp="1"/>
+          </p:cNvSpPr>
+          <p:nvPr>
+            <p:ph type="subTitle" idx="1"/>
+          </p:nvPr>
+        </p:nvSpPr>
+        <p:spPr/>
+        <p:txBody>
+          <a:bodyPr/>
+          <a:lstStyle/>
+          <a:p>
+            <a:r>
+              <a:rPr lang="en-US" dirty="0" smtClean="0"/>
+              <a:t>Thank you</a:t>
             </a:r>
             <a:endParaRPr lang="en-US" dirty="0"/>
           </a:p>
@@ -3554,10 +3703,73 @@
         <p:spPr/>
         <p:txBody>
           <a:bodyPr>
-            <a:normAutofit/>
+            <a:normAutofit lnSpcReduction="10000"/>
           </a:bodyPr>
           <a:lstStyle/>
           <a:p>
+            <a:r>
+              <a:rPr lang="en-US" dirty="0" smtClean="0"/>
+              <a:t>Supervised learning – </a:t>
+            </a:r>
+            <a:r>
+              <a:rPr lang="en-US" dirty="0" smtClean="0"/>
+              <a:t>Classification model</a:t>
+            </a:r>
+          </a:p>
+          <a:p>
+            <a:r>
+              <a:rPr lang="en-US" dirty="0" smtClean="0"/>
+              <a:t>Maximal Margin Classifier</a:t>
+            </a:r>
+          </a:p>
+          <a:p>
+            <a:r>
+              <a:rPr lang="en-US" dirty="0" smtClean="0"/>
+              <a:t>Cross Validation</a:t>
+            </a:r>
+          </a:p>
+          <a:p>
+            <a:r>
+              <a:rPr lang="en-US" dirty="0" smtClean="0"/>
+              <a:t>Support </a:t>
+            </a:r>
+            <a:r>
+              <a:rPr lang="en-US" dirty="0" smtClean="0"/>
+              <a:t>Vector </a:t>
+            </a:r>
+            <a:r>
+              <a:rPr lang="en-US" dirty="0" smtClean="0"/>
+              <a:t>Classifier </a:t>
+            </a:r>
+          </a:p>
+          <a:p>
+            <a:r>
+              <a:rPr lang="en-US" dirty="0" smtClean="0"/>
+              <a:t>Support Vector </a:t>
+            </a:r>
+            <a:r>
+              <a:rPr lang="en-US" dirty="0" smtClean="0"/>
+              <a:t>Machine</a:t>
+            </a:r>
+            <a:endParaRPr lang="en-US" dirty="0" smtClean="0"/>
+          </a:p>
+          <a:p>
+            <a:r>
+              <a:rPr lang="en-US" dirty="0" smtClean="0"/>
+              <a:t>Applications</a:t>
+            </a:r>
+          </a:p>
+          <a:p>
+            <a:r>
+              <a:rPr lang="en-US" dirty="0" smtClean="0"/>
+              <a:t>Advantages </a:t>
+            </a:r>
+          </a:p>
+          <a:p>
+            <a:r>
+              <a:rPr lang="en-US" dirty="0" smtClean="0"/>
+              <a:t>Disadvantages</a:t>
+            </a:r>
             <a:endParaRPr lang="en-US" dirty="0"/>
           </a:p>
         </p:txBody>
@@ -3601,7 +3813,7 @@
             <a:spLocks noGrp="1"/>
           </p:cNvSpPr>
           <p:nvPr>
-            <p:ph type="ctrTitle"/>
+            <p:ph type="title"/>
           </p:nvPr>
         </p:nvSpPr>
         <p:spPr/>
@@ -3611,7 +3823,7 @@
           <a:p>
             <a:r>
               <a:rPr lang="en-US" dirty="0" smtClean="0"/>
-              <a:t>Questions?</a:t>
+              <a:t>Supervised Learning</a:t>
             </a:r>
             <a:endParaRPr lang="en-US" dirty="0"/>
           </a:p>
@@ -3619,12 +3831,12 @@
       </p:sp>
       <p:sp>
         <p:nvSpPr>
-          <p:cNvPr id="3" name="Subtitle 2"/>
-          <p:cNvSpPr>
-            <a:spLocks noGrp="1"/>
-          </p:cNvSpPr>
-          <p:nvPr>
-            <p:ph type="subTitle" idx="1"/>
+          <p:cNvPr id="4" name="Content Placeholder 3"/>
+          <p:cNvSpPr>
+            <a:spLocks noGrp="1"/>
+          </p:cNvSpPr>
+          <p:nvPr>
+            <p:ph idx="1"/>
           </p:nvPr>
         </p:nvSpPr>
         <p:spPr/>
@@ -3634,9 +3846,157 @@
           <a:p>
             <a:r>
               <a:rPr lang="en-US" dirty="0" smtClean="0"/>
-              <a:t>Thank you</a:t>
-            </a:r>
+              <a:t>Training set – { (x</a:t>
+            </a:r>
+            <a:r>
+              <a:rPr lang="en-US" baseline="30000" dirty="0" smtClean="0"/>
+              <a:t>(1)</a:t>
+            </a:r>
+            <a:r>
+              <a:rPr lang="en-US" dirty="0" smtClean="0"/>
+              <a:t>,y</a:t>
+            </a:r>
+            <a:r>
+              <a:rPr lang="en-US" baseline="30000" dirty="0" smtClean="0"/>
+              <a:t>(1)</a:t>
+            </a:r>
+            <a:r>
+              <a:rPr lang="en-US" dirty="0" smtClean="0"/>
+              <a:t>), (x</a:t>
+            </a:r>
+            <a:r>
+              <a:rPr lang="en-US" baseline="30000" dirty="0" smtClean="0"/>
+              <a:t>(2)</a:t>
+            </a:r>
+            <a:r>
+              <a:rPr lang="en-US" dirty="0" smtClean="0"/>
+              <a:t>,y</a:t>
+            </a:r>
+            <a:r>
+              <a:rPr lang="en-US" baseline="30000" dirty="0" smtClean="0"/>
+              <a:t>(2)</a:t>
+            </a:r>
+            <a:r>
+              <a:rPr lang="en-US" dirty="0" smtClean="0"/>
+              <a:t>), …, (x</a:t>
+            </a:r>
+            <a:r>
+              <a:rPr lang="en-US" baseline="30000" dirty="0" smtClean="0"/>
+              <a:t>(m)</a:t>
+            </a:r>
+            <a:r>
+              <a:rPr lang="en-US" dirty="0" smtClean="0"/>
+              <a:t>,y</a:t>
+            </a:r>
+            <a:r>
+              <a:rPr lang="en-US" baseline="30000" dirty="0" smtClean="0"/>
+              <a:t>(m)</a:t>
+            </a:r>
+            <a:r>
+              <a:rPr lang="en-US" dirty="0" smtClean="0"/>
+              <a:t>)}</a:t>
+            </a:r>
+          </a:p>
+          <a:p>
+            <a:r>
+              <a:rPr lang="en-US" dirty="0" smtClean="0"/>
+              <a:t>Labeled dataset</a:t>
+            </a:r>
+          </a:p>
+          <a:p>
             <a:endParaRPr lang="en-US" dirty="0"/>
+          </a:p>
+        </p:txBody>
+      </p:sp>
+      <p:pic>
+        <p:nvPicPr>
+          <p:cNvPr id="5" name="Picture 4" descr="SupervisedLearning.png"/>
+          <p:cNvPicPr>
+            <a:picLocks noChangeAspect="1"/>
+          </p:cNvPicPr>
+          <p:nvPr/>
+        </p:nvPicPr>
+        <p:blipFill>
+          <a:blip r:embed="rId2"/>
+          <a:stretch>
+            <a:fillRect/>
+          </a:stretch>
+        </p:blipFill>
+        <p:spPr>
+          <a:xfrm>
+            <a:off x="838200" y="2971800"/>
+            <a:ext cx="7467600" cy="3733800"/>
+          </a:xfrm>
+          <a:prstGeom prst="rect">
+            <a:avLst/>
+          </a:prstGeom>
+        </p:spPr>
+      </p:pic>
+      <p:sp>
+        <p:nvSpPr>
+          <p:cNvPr id="6" name="Text Box 10"/>
+          <p:cNvSpPr txBox="1">
+            <a:spLocks noChangeArrowheads="1"/>
+          </p:cNvSpPr>
+          <p:nvPr/>
+        </p:nvSpPr>
+        <p:spPr bwMode="auto">
+          <a:xfrm rot="10800000" flipV="1">
+            <a:off x="0" y="6519446"/>
+            <a:ext cx="1828800" cy="338554"/>
+          </a:xfrm>
+          <a:prstGeom prst="rect">
+            <a:avLst/>
+          </a:prstGeom>
+          <a:noFill/>
+          <a:ln w="9525">
+            <a:noFill/>
+            <a:miter lim="800000"/>
+            <a:headEnd/>
+            <a:tailEnd/>
+          </a:ln>
+          <a:effectLst/>
+        </p:spPr>
+        <p:txBody>
+          <a:bodyPr wrap="square">
+            <a:spAutoFit/>
+          </a:bodyPr>
+          <a:lstStyle/>
+          <a:p>
+            <a:pPr>
+              <a:spcBef>
+                <a:spcPct val="50000"/>
+              </a:spcBef>
+            </a:pPr>
+            <a:r>
+              <a:rPr lang="en-US" sz="1600" b="1" dirty="0">
+                <a:solidFill>
+                  <a:srgbClr val="FF0000"/>
+                </a:solidFill>
+              </a:rPr>
+              <a:t>Image </a:t>
+            </a:r>
+            <a:r>
+              <a:rPr lang="en-US" sz="1600" b="1" dirty="0" err="1" smtClean="0">
+                <a:solidFill>
+                  <a:srgbClr val="FF0000"/>
+                </a:solidFill>
+              </a:rPr>
+              <a:t>ack</a:t>
+            </a:r>
+            <a:r>
+              <a:rPr lang="en-US" sz="1600" b="1" dirty="0" smtClean="0">
+                <a:solidFill>
+                  <a:srgbClr val="FF0000"/>
+                </a:solidFill>
+              </a:rPr>
+              <a:t> – Google</a:t>
+            </a:r>
+            <a:endParaRPr lang="en-US" sz="1600" b="1" dirty="0">
+              <a:solidFill>
+                <a:srgbClr val="FF0000"/>
+              </a:solidFill>
+            </a:endParaRPr>
           </a:p>
         </p:txBody>
       </p:sp>
@@ -3652,6 +4012,432 @@
       </p:par>
     </p:tnLst>
   </p:timing>
+</p:sld>
+</file>
+
+<file path=ppt/slides/slide4.xml><?xml version="1.0" encoding="utf-8"?>
+<p:sld xmlns:a="http://schemas.openxmlformats.org/drawingml/2006/main" xmlns:r="http://schemas.openxmlformats.org/officeDocument/2006/relationships" xmlns:p="http://schemas.openxmlformats.org/presentationml/2006/main">
+  <p:cSld>
+    <p:spTree>
+      <p:nvGrpSpPr>
+        <p:cNvPr id="1" name=""/>
+        <p:cNvGrpSpPr/>
+        <p:nvPr/>
+      </p:nvGrpSpPr>
+      <p:grpSpPr>
+        <a:xfrm>
+          <a:off x="0" y="0"/>
+          <a:ext cx="0" cy="0"/>
+          <a:chOff x="0" y="0"/>
+          <a:chExt cx="0" cy="0"/>
+        </a:xfrm>
+      </p:grpSpPr>
+      <p:sp>
+        <p:nvSpPr>
+          <p:cNvPr id="2" name="Title 1"/>
+          <p:cNvSpPr>
+            <a:spLocks noGrp="1"/>
+          </p:cNvSpPr>
+          <p:nvPr>
+            <p:ph type="title"/>
+          </p:nvPr>
+        </p:nvSpPr>
+        <p:spPr/>
+        <p:txBody>
+          <a:bodyPr/>
+          <a:lstStyle/>
+          <a:p>
+            <a:r>
+              <a:rPr lang="en-US" dirty="0" smtClean="0"/>
+              <a:t>Maximal Margin Classifier</a:t>
+            </a:r>
+            <a:endParaRPr lang="en-IN" dirty="0"/>
+          </a:p>
+        </p:txBody>
+      </p:sp>
+      <p:sp>
+        <p:nvSpPr>
+          <p:cNvPr id="3" name="Content Placeholder 2"/>
+          <p:cNvSpPr>
+            <a:spLocks noGrp="1"/>
+          </p:cNvSpPr>
+          <p:nvPr>
+            <p:ph idx="1"/>
+          </p:nvPr>
+        </p:nvSpPr>
+        <p:spPr/>
+        <p:txBody>
+          <a:bodyPr/>
+          <a:lstStyle/>
+          <a:p>
+            <a:endParaRPr lang="en-IN"/>
+          </a:p>
+        </p:txBody>
+      </p:sp>
+    </p:spTree>
+  </p:cSld>
+  <p:clrMapOvr>
+    <a:masterClrMapping/>
+  </p:clrMapOvr>
+</p:sld>
+</file>
+
+<file path=ppt/slides/slide5.xml><?xml version="1.0" encoding="utf-8"?>
+<p:sld xmlns:a="http://schemas.openxmlformats.org/drawingml/2006/main" xmlns:r="http://schemas.openxmlformats.org/officeDocument/2006/relationships" xmlns:p="http://schemas.openxmlformats.org/presentationml/2006/main">
+  <p:cSld>
+    <p:spTree>
+      <p:nvGrpSpPr>
+        <p:cNvPr id="1" name=""/>
+        <p:cNvGrpSpPr/>
+        <p:nvPr/>
+      </p:nvGrpSpPr>
+      <p:grpSpPr>
+        <a:xfrm>
+          <a:off x="0" y="0"/>
+          <a:ext cx="0" cy="0"/>
+          <a:chOff x="0" y="0"/>
+          <a:chExt cx="0" cy="0"/>
+        </a:xfrm>
+      </p:grpSpPr>
+      <p:sp>
+        <p:nvSpPr>
+          <p:cNvPr id="2" name="Title 1"/>
+          <p:cNvSpPr>
+            <a:spLocks noGrp="1"/>
+          </p:cNvSpPr>
+          <p:nvPr>
+            <p:ph type="title"/>
+          </p:nvPr>
+        </p:nvSpPr>
+        <p:spPr/>
+        <p:txBody>
+          <a:bodyPr>
+            <a:normAutofit/>
+          </a:bodyPr>
+          <a:lstStyle/>
+          <a:p>
+            <a:r>
+              <a:rPr lang="en-US" dirty="0" smtClean="0"/>
+              <a:t>Cross </a:t>
+            </a:r>
+            <a:r>
+              <a:rPr lang="en-US" dirty="0" smtClean="0"/>
+              <a:t>Validation</a:t>
+            </a:r>
+            <a:endParaRPr lang="en-IN" dirty="0"/>
+          </a:p>
+        </p:txBody>
+      </p:sp>
+      <p:sp>
+        <p:nvSpPr>
+          <p:cNvPr id="3" name="Content Placeholder 2"/>
+          <p:cNvSpPr>
+            <a:spLocks noGrp="1"/>
+          </p:cNvSpPr>
+          <p:nvPr>
+            <p:ph idx="1"/>
+          </p:nvPr>
+        </p:nvSpPr>
+        <p:spPr/>
+        <p:txBody>
+          <a:bodyPr/>
+          <a:lstStyle/>
+          <a:p>
+            <a:endParaRPr lang="en-IN"/>
+          </a:p>
+        </p:txBody>
+      </p:sp>
+    </p:spTree>
+  </p:cSld>
+  <p:clrMapOvr>
+    <a:masterClrMapping/>
+  </p:clrMapOvr>
+</p:sld>
+</file>
+
+<file path=ppt/slides/slide6.xml><?xml version="1.0" encoding="utf-8"?>
+<p:sld xmlns:a="http://schemas.openxmlformats.org/drawingml/2006/main" xmlns:r="http://schemas.openxmlformats.org/officeDocument/2006/relationships" xmlns:p="http://schemas.openxmlformats.org/presentationml/2006/main">
+  <p:cSld>
+    <p:spTree>
+      <p:nvGrpSpPr>
+        <p:cNvPr id="1" name=""/>
+        <p:cNvGrpSpPr/>
+        <p:nvPr/>
+      </p:nvGrpSpPr>
+      <p:grpSpPr>
+        <a:xfrm>
+          <a:off x="0" y="0"/>
+          <a:ext cx="0" cy="0"/>
+          <a:chOff x="0" y="0"/>
+          <a:chExt cx="0" cy="0"/>
+        </a:xfrm>
+      </p:grpSpPr>
+      <p:sp>
+        <p:nvSpPr>
+          <p:cNvPr id="2" name="Title 1"/>
+          <p:cNvSpPr>
+            <a:spLocks noGrp="1"/>
+          </p:cNvSpPr>
+          <p:nvPr>
+            <p:ph type="title"/>
+          </p:nvPr>
+        </p:nvSpPr>
+        <p:spPr/>
+        <p:txBody>
+          <a:bodyPr>
+            <a:normAutofit/>
+          </a:bodyPr>
+          <a:lstStyle/>
+          <a:p>
+            <a:r>
+              <a:rPr lang="en-US" dirty="0" smtClean="0"/>
+              <a:t>Support Vector </a:t>
+            </a:r>
+            <a:r>
+              <a:rPr lang="en-US" dirty="0" smtClean="0"/>
+              <a:t>Classifier</a:t>
+            </a:r>
+            <a:endParaRPr lang="en-IN" dirty="0"/>
+          </a:p>
+        </p:txBody>
+      </p:sp>
+      <p:sp>
+        <p:nvSpPr>
+          <p:cNvPr id="3" name="Content Placeholder 2"/>
+          <p:cNvSpPr>
+            <a:spLocks noGrp="1"/>
+          </p:cNvSpPr>
+          <p:nvPr>
+            <p:ph idx="1"/>
+          </p:nvPr>
+        </p:nvSpPr>
+        <p:spPr/>
+        <p:txBody>
+          <a:bodyPr/>
+          <a:lstStyle/>
+          <a:p>
+            <a:r>
+              <a:rPr lang="en-US" dirty="0" smtClean="0"/>
+              <a:t>Soft Margin </a:t>
+            </a:r>
+          </a:p>
+          <a:p>
+            <a:endParaRPr lang="en-IN" dirty="0"/>
+          </a:p>
+        </p:txBody>
+      </p:sp>
+    </p:spTree>
+  </p:cSld>
+  <p:clrMapOvr>
+    <a:masterClrMapping/>
+  </p:clrMapOvr>
+</p:sld>
+</file>
+
+<file path=ppt/slides/slide7.xml><?xml version="1.0" encoding="utf-8"?>
+<p:sld xmlns:a="http://schemas.openxmlformats.org/drawingml/2006/main" xmlns:r="http://schemas.openxmlformats.org/officeDocument/2006/relationships" xmlns:p="http://schemas.openxmlformats.org/presentationml/2006/main">
+  <p:cSld>
+    <p:spTree>
+      <p:nvGrpSpPr>
+        <p:cNvPr id="1" name=""/>
+        <p:cNvGrpSpPr/>
+        <p:nvPr/>
+      </p:nvGrpSpPr>
+      <p:grpSpPr>
+        <a:xfrm>
+          <a:off x="0" y="0"/>
+          <a:ext cx="0" cy="0"/>
+          <a:chOff x="0" y="0"/>
+          <a:chExt cx="0" cy="0"/>
+        </a:xfrm>
+      </p:grpSpPr>
+      <p:sp>
+        <p:nvSpPr>
+          <p:cNvPr id="2" name="Title 1"/>
+          <p:cNvSpPr>
+            <a:spLocks noGrp="1"/>
+          </p:cNvSpPr>
+          <p:nvPr>
+            <p:ph type="title"/>
+          </p:nvPr>
+        </p:nvSpPr>
+        <p:spPr/>
+        <p:txBody>
+          <a:bodyPr>
+            <a:normAutofit/>
+          </a:bodyPr>
+          <a:lstStyle/>
+          <a:p>
+            <a:r>
+              <a:rPr lang="en-US" dirty="0" smtClean="0"/>
+              <a:t>Support Vector </a:t>
+            </a:r>
+            <a:r>
+              <a:rPr lang="en-US" dirty="0" smtClean="0"/>
+              <a:t>Machine</a:t>
+            </a:r>
+            <a:endParaRPr lang="en-IN" dirty="0"/>
+          </a:p>
+        </p:txBody>
+      </p:sp>
+      <p:sp>
+        <p:nvSpPr>
+          <p:cNvPr id="3" name="Content Placeholder 2"/>
+          <p:cNvSpPr>
+            <a:spLocks noGrp="1"/>
+          </p:cNvSpPr>
+          <p:nvPr>
+            <p:ph idx="1"/>
+          </p:nvPr>
+        </p:nvSpPr>
+        <p:spPr/>
+        <p:txBody>
+          <a:bodyPr/>
+          <a:lstStyle/>
+          <a:p>
+            <a:endParaRPr lang="en-IN"/>
+          </a:p>
+        </p:txBody>
+      </p:sp>
+    </p:spTree>
+  </p:cSld>
+  <p:clrMapOvr>
+    <a:masterClrMapping/>
+  </p:clrMapOvr>
+</p:sld>
+</file>
+
+<file path=ppt/slides/slide8.xml><?xml version="1.0" encoding="utf-8"?>
+<p:sld xmlns:a="http://schemas.openxmlformats.org/drawingml/2006/main" xmlns:r="http://schemas.openxmlformats.org/officeDocument/2006/relationships" xmlns:p="http://schemas.openxmlformats.org/presentationml/2006/main">
+  <p:cSld>
+    <p:spTree>
+      <p:nvGrpSpPr>
+        <p:cNvPr id="1" name=""/>
+        <p:cNvGrpSpPr/>
+        <p:nvPr/>
+      </p:nvGrpSpPr>
+      <p:grpSpPr>
+        <a:xfrm>
+          <a:off x="0" y="0"/>
+          <a:ext cx="0" cy="0"/>
+          <a:chOff x="0" y="0"/>
+          <a:chExt cx="0" cy="0"/>
+        </a:xfrm>
+      </p:grpSpPr>
+      <p:sp>
+        <p:nvSpPr>
+          <p:cNvPr id="2" name="Title 1"/>
+          <p:cNvSpPr>
+            <a:spLocks noGrp="1"/>
+          </p:cNvSpPr>
+          <p:nvPr>
+            <p:ph type="title"/>
+          </p:nvPr>
+        </p:nvSpPr>
+        <p:spPr/>
+        <p:txBody>
+          <a:bodyPr/>
+          <a:lstStyle/>
+          <a:p>
+            <a:r>
+              <a:rPr lang="en-US" dirty="0" smtClean="0"/>
+              <a:t>Applications</a:t>
+            </a:r>
+            <a:endParaRPr lang="en-IN" dirty="0"/>
+          </a:p>
+        </p:txBody>
+      </p:sp>
+      <p:sp>
+        <p:nvSpPr>
+          <p:cNvPr id="3" name="Content Placeholder 2"/>
+          <p:cNvSpPr>
+            <a:spLocks noGrp="1"/>
+          </p:cNvSpPr>
+          <p:nvPr>
+            <p:ph idx="1"/>
+          </p:nvPr>
+        </p:nvSpPr>
+        <p:spPr/>
+        <p:txBody>
+          <a:bodyPr/>
+          <a:lstStyle/>
+          <a:p>
+            <a:endParaRPr lang="en-IN"/>
+          </a:p>
+        </p:txBody>
+      </p:sp>
+    </p:spTree>
+  </p:cSld>
+  <p:clrMapOvr>
+    <a:masterClrMapping/>
+  </p:clrMapOvr>
+</p:sld>
+</file>
+
+<file path=ppt/slides/slide9.xml><?xml version="1.0" encoding="utf-8"?>
+<p:sld xmlns:a="http://schemas.openxmlformats.org/drawingml/2006/main" xmlns:r="http://schemas.openxmlformats.org/officeDocument/2006/relationships" xmlns:p="http://schemas.openxmlformats.org/presentationml/2006/main">
+  <p:cSld>
+    <p:spTree>
+      <p:nvGrpSpPr>
+        <p:cNvPr id="1" name=""/>
+        <p:cNvGrpSpPr/>
+        <p:nvPr/>
+      </p:nvGrpSpPr>
+      <p:grpSpPr>
+        <a:xfrm>
+          <a:off x="0" y="0"/>
+          <a:ext cx="0" cy="0"/>
+          <a:chOff x="0" y="0"/>
+          <a:chExt cx="0" cy="0"/>
+        </a:xfrm>
+      </p:grpSpPr>
+      <p:sp>
+        <p:nvSpPr>
+          <p:cNvPr id="2" name="Title 1"/>
+          <p:cNvSpPr>
+            <a:spLocks noGrp="1"/>
+          </p:cNvSpPr>
+          <p:nvPr>
+            <p:ph type="title"/>
+          </p:nvPr>
+        </p:nvSpPr>
+        <p:spPr/>
+        <p:txBody>
+          <a:bodyPr/>
+          <a:lstStyle/>
+          <a:p>
+            <a:r>
+              <a:rPr lang="en-US" dirty="0" smtClean="0"/>
+              <a:t>Advantages</a:t>
+            </a:r>
+            <a:endParaRPr lang="en-IN" dirty="0"/>
+          </a:p>
+        </p:txBody>
+      </p:sp>
+      <p:sp>
+        <p:nvSpPr>
+          <p:cNvPr id="3" name="Content Placeholder 2"/>
+          <p:cNvSpPr>
+            <a:spLocks noGrp="1"/>
+          </p:cNvSpPr>
+          <p:nvPr>
+            <p:ph idx="1"/>
+          </p:nvPr>
+        </p:nvSpPr>
+        <p:spPr/>
+        <p:txBody>
+          <a:bodyPr/>
+          <a:lstStyle/>
+          <a:p>
+            <a:endParaRPr lang="en-IN"/>
+          </a:p>
+        </p:txBody>
+      </p:sp>
+    </p:spTree>
+  </p:cSld>
+  <p:clrMapOvr>
+    <a:masterClrMapping/>
+  </p:clrMapOvr>
 </p:sld>
 </file>
 

--- a/MachineLearning/SupportVectorMachine/SupportVectorMachine.pptx
+++ b/MachineLearning/SupportVectorMachine/SupportVectorMachine.pptx
@@ -5,7 +5,7 @@
     <p:sldMasterId id="2147483648" r:id="rId1"/>
   </p:sldMasterIdLst>
   <p:notesMasterIdLst>
-    <p:notesMasterId r:id="rId13"/>
+    <p:notesMasterId r:id="rId14"/>
   </p:notesMasterIdLst>
   <p:sldIdLst>
     <p:sldId id="256" r:id="rId2"/>
@@ -15,10 +15,11 @@
     <p:sldId id="272" r:id="rId6"/>
     <p:sldId id="273" r:id="rId7"/>
     <p:sldId id="274" r:id="rId8"/>
-    <p:sldId id="275" r:id="rId9"/>
-    <p:sldId id="276" r:id="rId10"/>
-    <p:sldId id="277" r:id="rId11"/>
-    <p:sldId id="269" r:id="rId12"/>
+    <p:sldId id="278" r:id="rId9"/>
+    <p:sldId id="275" r:id="rId10"/>
+    <p:sldId id="276" r:id="rId11"/>
+    <p:sldId id="277" r:id="rId12"/>
+    <p:sldId id="269" r:id="rId13"/>
   </p:sldIdLst>
   <p:sldSz cx="9144000" cy="6858000" type="screen4x3"/>
   <p:notesSz cx="6858000" cy="9144000"/>
@@ -3538,10 +3539,10 @@
           <a:lstStyle/>
           <a:p>
             <a:r>
-              <a:rPr lang="en-US" smtClean="0"/>
-              <a:t>Disadvantages</a:t>
-            </a:r>
-            <a:endParaRPr lang="en-IN"/>
+              <a:rPr lang="en-US" dirty="0" smtClean="0"/>
+              <a:t>Advantages</a:t>
+            </a:r>
+            <a:endParaRPr lang="en-IN" dirty="0"/>
           </a:p>
         </p:txBody>
       </p:sp>
@@ -3573,6 +3574,73 @@
 </file>
 
 <file path=ppt/slides/slide11.xml><?xml version="1.0" encoding="utf-8"?>
+<p:sld xmlns:a="http://schemas.openxmlformats.org/drawingml/2006/main" xmlns:r="http://schemas.openxmlformats.org/officeDocument/2006/relationships" xmlns:p="http://schemas.openxmlformats.org/presentationml/2006/main">
+  <p:cSld>
+    <p:spTree>
+      <p:nvGrpSpPr>
+        <p:cNvPr id="1" name=""/>
+        <p:cNvGrpSpPr/>
+        <p:nvPr/>
+      </p:nvGrpSpPr>
+      <p:grpSpPr>
+        <a:xfrm>
+          <a:off x="0" y="0"/>
+          <a:ext cx="0" cy="0"/>
+          <a:chOff x="0" y="0"/>
+          <a:chExt cx="0" cy="0"/>
+        </a:xfrm>
+      </p:grpSpPr>
+      <p:sp>
+        <p:nvSpPr>
+          <p:cNvPr id="2" name="Title 1"/>
+          <p:cNvSpPr>
+            <a:spLocks noGrp="1"/>
+          </p:cNvSpPr>
+          <p:nvPr>
+            <p:ph type="title"/>
+          </p:nvPr>
+        </p:nvSpPr>
+        <p:spPr/>
+        <p:txBody>
+          <a:bodyPr/>
+          <a:lstStyle/>
+          <a:p>
+            <a:r>
+              <a:rPr lang="en-US" dirty="0" smtClean="0"/>
+              <a:t>Disadvantages</a:t>
+            </a:r>
+            <a:endParaRPr lang="en-IN" dirty="0"/>
+          </a:p>
+        </p:txBody>
+      </p:sp>
+      <p:sp>
+        <p:nvSpPr>
+          <p:cNvPr id="3" name="Content Placeholder 2"/>
+          <p:cNvSpPr>
+            <a:spLocks noGrp="1"/>
+          </p:cNvSpPr>
+          <p:nvPr>
+            <p:ph idx="1"/>
+          </p:nvPr>
+        </p:nvSpPr>
+        <p:spPr/>
+        <p:txBody>
+          <a:bodyPr/>
+          <a:lstStyle/>
+          <a:p>
+            <a:endParaRPr lang="en-IN"/>
+          </a:p>
+        </p:txBody>
+      </p:sp>
+    </p:spTree>
+  </p:cSld>
+  <p:clrMapOvr>
+    <a:masterClrMapping/>
+  </p:clrMapOvr>
+</p:sld>
+</file>
+
+<file path=ppt/slides/slide12.xml><?xml version="1.0" encoding="utf-8"?>
 <p:sld xmlns:a="http://schemas.openxmlformats.org/drawingml/2006/main" xmlns:r="http://schemas.openxmlformats.org/officeDocument/2006/relationships" xmlns:p="http://schemas.openxmlformats.org/presentationml/2006/main">
   <p:cSld>
     <p:spTree>
@@ -3703,7 +3771,7 @@
         <p:spPr/>
         <p:txBody>
           <a:bodyPr>
-            <a:normAutofit lnSpcReduction="10000"/>
+            <a:normAutofit fontScale="92500" lnSpcReduction="20000"/>
           </a:bodyPr>
           <a:lstStyle/>
           <a:p>
@@ -3750,6 +3818,12 @@
             <a:r>
               <a:rPr lang="en-US" dirty="0" smtClean="0"/>
               <a:t>Machine</a:t>
+            </a:r>
+          </a:p>
+          <a:p>
+            <a:r>
+              <a:rPr lang="en-US" smtClean="0"/>
+              <a:t>Kernel Functions</a:t>
             </a:r>
             <a:endParaRPr lang="en-US" dirty="0" smtClean="0"/>
           </a:p>
@@ -4341,7 +4415,11 @@
           <a:p>
             <a:r>
               <a:rPr lang="en-US" dirty="0" smtClean="0"/>
-              <a:t>Applications</a:t>
+              <a:t>Kernel </a:t>
+            </a:r>
+            <a:r>
+              <a:rPr lang="en-US" dirty="0" smtClean="0"/>
+              <a:t>Functions</a:t>
             </a:r>
             <a:endParaRPr lang="en-IN" dirty="0"/>
           </a:p>
@@ -4408,7 +4486,7 @@
           <a:p>
             <a:r>
               <a:rPr lang="en-US" dirty="0" smtClean="0"/>
-              <a:t>Advantages</a:t>
+              <a:t>Applications</a:t>
             </a:r>
             <a:endParaRPr lang="en-IN" dirty="0"/>
           </a:p>

--- a/MachineLearning/SupportVectorMachine/SupportVectorMachine.pptx
+++ b/MachineLearning/SupportVectorMachine/SupportVectorMachine.pptx
@@ -3777,7 +3777,15 @@
           <a:p>
             <a:r>
               <a:rPr lang="en-US" dirty="0" smtClean="0"/>
-              <a:t>Supervised learning – </a:t>
+              <a:t>Supervised l</a:t>
+            </a:r>
+            <a:r>
+              <a:rPr lang="en-US" dirty="0" smtClean="0"/>
+              <a:t>earning </a:t>
+            </a:r>
+            <a:r>
+              <a:rPr lang="en-US" dirty="0" smtClean="0"/>
+              <a:t>– </a:t>
             </a:r>
             <a:r>
               <a:rPr lang="en-US" dirty="0" smtClean="0"/>
@@ -3793,7 +3801,7 @@
           <a:p>
             <a:r>
               <a:rPr lang="en-US" dirty="0" smtClean="0"/>
-              <a:t>Cross Validation</a:t>
+              <a:t>Cross validation</a:t>
             </a:r>
           </a:p>
           <a:p>
@@ -3823,7 +3831,7 @@
           <a:p>
             <a:r>
               <a:rPr lang="en-US" smtClean="0"/>
-              <a:t>Kernel Functions</a:t>
+              <a:t>Kernel functions</a:t>
             </a:r>
             <a:endParaRPr lang="en-US" dirty="0" smtClean="0"/>
           </a:p>
